--- a/TTISD-Project/Presentatie/Eind presentatie.pptx
+++ b/TTISD-Project/Presentatie/Eind presentatie.pptx
@@ -121,6 +121,11 @@
       </a:defRPr>
     </a:lvl9pPr>
   </p:defaultTextStyle>
+  <p:extLst>
+    <p:ext uri="{EFAFB233-063F-42B5-8137-9DF3F51BA10A}">
+      <p15:sldGuideLst xmlns:p15="http://schemas.microsoft.com/office/powerpoint/2012/main"/>
+    </p:ext>
+  </p:extLst>
 </p:presentation>
 </file>
 
@@ -558,6 +563,12 @@
             <a:r>
               <a:rPr lang="en-GB" dirty="0"/>
               <a:t>Our goal was to make a framework that can be used in all boardgames with a similar style. Right now it could be used with all boardgames which have a linear pathway.</a:t>
+            </a:r>
+          </a:p>
+          <a:p>
+            <a:r>
+              <a:rPr lang="en-GB" dirty="0"/>
+              <a:t>This framework would combine RFID tags to determine which piece had moved and LIDAR to determine where it moved to. This changed during our research and experiments.</a:t>
             </a:r>
           </a:p>
         </p:txBody>
@@ -7755,6 +7766,14 @@
                 <a:sym typeface="Wingdings" panose="05000000000000000000" pitchFamily="2" charset="2"/>
               </a:rPr>
               <a:t> boardgames with linear pathway</a:t>
+            </a:r>
+          </a:p>
+          <a:p>
+            <a:r>
+              <a:rPr lang="en-GB" dirty="0">
+                <a:sym typeface="Wingdings" panose="05000000000000000000" pitchFamily="2" charset="2"/>
+              </a:rPr>
+              <a:t>Using RFID tags &amp; LIDAR</a:t>
             </a:r>
             <a:endParaRPr lang="en-GB" dirty="0"/>
           </a:p>
